--- a/期末專題 – Chatbot - 解夢聊天機器人.pptx
+++ b/期末專題 – Chatbot - 解夢聊天機器人.pptx
@@ -5,10 +5,10 @@
     <p:sldMasterId id="2147483648" r:id="rId4"/>
   </p:sldMasterIdLst>
   <p:notesMasterIdLst>
-    <p:notesMasterId r:id="rId17"/>
+    <p:notesMasterId r:id="rId16"/>
   </p:notesMasterIdLst>
   <p:handoutMasterIdLst>
-    <p:handoutMasterId r:id="rId18"/>
+    <p:handoutMasterId r:id="rId17"/>
   </p:handoutMasterIdLst>
   <p:sldIdLst>
     <p:sldId id="2448" r:id="rId5"/>
@@ -17,12 +17,11 @@
     <p:sldId id="2432" r:id="rId8"/>
     <p:sldId id="2458" r:id="rId9"/>
     <p:sldId id="2433" r:id="rId10"/>
-    <p:sldId id="2459" r:id="rId11"/>
-    <p:sldId id="2460" r:id="rId12"/>
-    <p:sldId id="2461" r:id="rId13"/>
-    <p:sldId id="2462" r:id="rId14"/>
-    <p:sldId id="2457" r:id="rId15"/>
-    <p:sldId id="2456" r:id="rId16"/>
+    <p:sldId id="2460" r:id="rId11"/>
+    <p:sldId id="2461" r:id="rId12"/>
+    <p:sldId id="2462" r:id="rId13"/>
+    <p:sldId id="2457" r:id="rId14"/>
+    <p:sldId id="2456" r:id="rId15"/>
   </p:sldIdLst>
   <p:sldSz cx="12192000" cy="6858000"/>
   <p:notesSz cx="6858000" cy="9144000"/>
@@ -250,7 +249,7 @@
                 <a:latin typeface="Microsoft JhengHei UI" panose="020B0604030504040204" pitchFamily="34" charset="-120"/>
                 <a:ea typeface="Microsoft JhengHei UI" panose="020B0604030504040204" pitchFamily="34" charset="-120"/>
               </a:rPr>
-              <a:t>2023/6/21</a:t>
+              <a:t>2023/10/17</a:t>
             </a:fld>
             <a:endParaRPr lang="zh-TW" altLang="en-US">
               <a:latin typeface="Microsoft JhengHei UI" panose="020B0604030504040204" pitchFamily="34" charset="-120"/>
@@ -448,7 +447,7 @@
           <a:p>
             <a:fld id="{5AE93C0F-2CD9-4A6C-84A8-9380826C2B1F}" type="datetime1">
               <a:rPr lang="zh-TW" altLang="en-US" noProof="0" smtClean="0"/>
-              <a:t>2023/6/21</a:t>
+              <a:t>2023/10/17</a:t>
             </a:fld>
             <a:endParaRPr lang="zh-TW" altLang="en-US" noProof="0"/>
           </a:p>
@@ -1262,7 +1261,7 @@
             <a:fld id="{228B34ED-4CDD-41C9-90F7-D768D5559A6F}" type="slidenum">
               <a:rPr lang="en-US" altLang="zh-TW" noProof="0" smtClean="0"/>
               <a:pPr/>
-              <a:t>8</a:t>
+              <a:t>7</a:t>
             </a:fld>
             <a:endParaRPr lang="zh-TW" altLang="en-US" noProof="0"/>
           </a:p>
@@ -1325,59 +1324,7 @@
           <a:bodyPr/>
           <a:lstStyle/>
           <a:p>
-            <a:r>
-              <a:rPr lang="zh-TW" altLang="en-US" dirty="0"/>
-              <a:t>這個人是白癡，他犯了一個嚴重的錯誤，怎麼有人沒有存訓練的模型呢</a:t>
-            </a:r>
-            <a:r>
-              <a:rPr lang="en-US" altLang="zh-TW" dirty="0"/>
-              <a:t>?</a:t>
-            </a:r>
-            <a:r>
-              <a:rPr lang="zh-TW" altLang="en-US" dirty="0"/>
-              <a:t>而且都要報告了，居然前一天才發現</a:t>
-            </a:r>
-            <a:r>
-              <a:rPr lang="en-US" altLang="zh-TW" dirty="0"/>
-              <a:t>!</a:t>
-            </a:r>
-          </a:p>
-          <a:p>
-            <a:r>
-              <a:rPr lang="zh-TW" altLang="en-US" dirty="0"/>
-              <a:t>這個人是誰</a:t>
-            </a:r>
-            <a:r>
-              <a:rPr lang="en-US" altLang="zh-TW" dirty="0"/>
-              <a:t>?</a:t>
-            </a:r>
-            <a:r>
-              <a:rPr lang="zh-TW" altLang="en-US" dirty="0"/>
-              <a:t> 沒錯就是我，好慚愧，好想找個洞把自己埋進去</a:t>
-            </a:r>
-            <a:endParaRPr lang="en-US" altLang="zh-TW" dirty="0"/>
-          </a:p>
-          <a:p>
-            <a:r>
-              <a:rPr lang="zh-TW" altLang="en-US" dirty="0"/>
-              <a:t>特記錄於此以警惕自己，要是再犯一次就跪著把</a:t>
-            </a:r>
-            <a:r>
-              <a:rPr lang="en-US" altLang="zh-TW" dirty="0"/>
-              <a:t>decoder</a:t>
-            </a:r>
-            <a:r>
-              <a:rPr lang="zh-TW" altLang="en-US" dirty="0"/>
-              <a:t>的</a:t>
-            </a:r>
-            <a:r>
-              <a:rPr lang="en-US" altLang="zh-TW" dirty="0"/>
-              <a:t>GPT-2</a:t>
-            </a:r>
-            <a:r>
-              <a:rPr lang="zh-TW" altLang="en-US" dirty="0"/>
-              <a:t>寫出來</a:t>
-            </a:r>
+            <a:endParaRPr lang="zh-TW" altLang="en-US" dirty="0"/>
           </a:p>
         </p:txBody>
       </p:sp>
@@ -1399,7 +1346,7 @@
             <a:fld id="{228B34ED-4CDD-41C9-90F7-D768D5559A6F}" type="slidenum">
               <a:rPr lang="en-US" altLang="zh-TW" noProof="0" smtClean="0"/>
               <a:pPr/>
-              <a:t>9</a:t>
+              <a:t>8</a:t>
             </a:fld>
             <a:endParaRPr lang="zh-TW" altLang="en-US" noProof="0"/>
           </a:p>
@@ -1490,7 +1437,7 @@
                 <a:latin typeface="Microsoft JhengHei UI" panose="020B0604030504040204" pitchFamily="34" charset="-120"/>
                 <a:ea typeface="Microsoft JhengHei UI" panose="020B0604030504040204" pitchFamily="34" charset="-120"/>
               </a:rPr>
-              <a:t>11</a:t>
+              <a:t>10</a:t>
             </a:fld>
             <a:endParaRPr lang="zh-TW" altLang="en-US">
               <a:latin typeface="Microsoft JhengHei UI" panose="020B0604030504040204" pitchFamily="34" charset="-120"/>
@@ -1585,7 +1532,7 @@
                 <a:latin typeface="Microsoft JhengHei UI" panose="020B0604030504040204" pitchFamily="34" charset="-120"/>
                 <a:ea typeface="Microsoft JhengHei UI" panose="020B0604030504040204" pitchFamily="34" charset="-120"/>
               </a:rPr>
-              <a:t>12</a:t>
+              <a:t>11</a:t>
             </a:fld>
             <a:endParaRPr lang="zh-TW" altLang="en-US">
               <a:latin typeface="Microsoft JhengHei UI" panose="020B0604030504040204" pitchFamily="34" charset="-120"/>
@@ -6565,10 +6512,10 @@
       </p:grpSpPr>
       <p:sp>
         <p:nvSpPr>
-          <p:cNvPr id="2" name="標題 1">
-            <a:extLst>
-              <a:ext uri="{FF2B5EF4-FFF2-40B4-BE49-F238E27FC236}">
-                <a16:creationId xmlns:a16="http://schemas.microsoft.com/office/drawing/2014/main" id="{FAFBDDF7-A663-6400-C3EC-E91B4A8FE7EE}"/>
+          <p:cNvPr id="3" name="標題 2">
+            <a:extLst>
+              <a:ext uri="{FF2B5EF4-FFF2-40B4-BE49-F238E27FC236}">
+                <a16:creationId xmlns:a16="http://schemas.microsoft.com/office/drawing/2014/main" id="{1D24B42B-925B-494C-A986-BD85E8117E1E}"/>
               </a:ext>
             </a:extLst>
           </p:cNvPr>
@@ -6579,141 +6526,197 @@
             <p:ph type="title"/>
           </p:nvPr>
         </p:nvSpPr>
+        <p:spPr>
+          <a:xfrm>
+            <a:off x="6297819" y="205374"/>
+            <a:ext cx="5251450" cy="1661297"/>
+          </a:xfrm>
+        </p:spPr>
+        <p:txBody>
+          <a:bodyPr rtlCol="0">
+            <a:normAutofit fontScale="90000"/>
+          </a:bodyPr>
+          <a:lstStyle/>
+          <a:p>
+            <a:pPr rtl="0"/>
+            <a:r>
+              <a:rPr lang="en-US" altLang="zh-TW" dirty="0">
+                <a:latin typeface="Times New Roman" panose="02020603050405020304" pitchFamily="18" charset="0"/>
+                <a:cs typeface="Times New Roman" panose="02020603050405020304" pitchFamily="18" charset="0"/>
+              </a:rPr>
+              <a:t>Conclusion</a:t>
+            </a:r>
+            <a:endParaRPr lang="zh-TW" altLang="en-US" dirty="0"/>
+          </a:p>
+        </p:txBody>
+      </p:sp>
+      <p:pic>
+        <p:nvPicPr>
+          <p:cNvPr id="13" name="圖片版面配置區 12" descr="桌上的電腦靠著磚牆的特寫">
+            <a:extLst>
+              <a:ext uri="{FF2B5EF4-FFF2-40B4-BE49-F238E27FC236}">
+                <a16:creationId xmlns:a16="http://schemas.microsoft.com/office/drawing/2014/main" id="{90BB9493-60B4-4B89-89CE-E1F8BF6C4D12}"/>
+              </a:ext>
+            </a:extLst>
+          </p:cNvPr>
+          <p:cNvPicPr>
+            <a:picLocks noGrp="1" noChangeAspect="1"/>
+          </p:cNvPicPr>
+          <p:nvPr>
+            <p:ph type="pic" sz="quarter" idx="13"/>
+          </p:nvPr>
+        </p:nvPicPr>
+        <p:blipFill rotWithShape="1">
+          <a:blip r:embed="rId3" cstate="email">
+            <a:extLst>
+              <a:ext uri="{BEBA8EAE-BF5A-486C-A8C5-ECC9F3942E4B}">
+                <a14:imgProps xmlns:a14="http://schemas.microsoft.com/office/drawing/2010/main">
+                  <a14:imgLayer r:embed="rId4">
+                    <a14:imgEffect>
+                      <a14:saturation sat="0"/>
+                    </a14:imgEffect>
+                  </a14:imgLayer>
+                </a14:imgProps>
+              </a:ext>
+              <a:ext uri="{28A0092B-C50C-407E-A947-70E740481C1C}">
+                <a14:useLocalDpi xmlns:a14="http://schemas.microsoft.com/office/drawing/2010/main"/>
+              </a:ext>
+            </a:extLst>
+          </a:blip>
+          <a:srcRect l="20370" r="20370"/>
+          <a:stretch/>
+        </p:blipFill>
         <p:spPr/>
-        <p:txBody>
-          <a:bodyPr/>
+      </p:pic>
+      <p:sp>
+        <p:nvSpPr>
+          <p:cNvPr id="2" name="投影片編號版面配置區 1">
+            <a:extLst>
+              <a:ext uri="{FF2B5EF4-FFF2-40B4-BE49-F238E27FC236}">
+                <a16:creationId xmlns:a16="http://schemas.microsoft.com/office/drawing/2014/main" id="{948DD8A0-BD53-4DBF-949B-0D64D12DADA9}"/>
+              </a:ext>
+            </a:extLst>
+          </p:cNvPr>
+          <p:cNvSpPr>
+            <a:spLocks noGrp="1"/>
+          </p:cNvSpPr>
+          <p:nvPr>
+            <p:ph type="sldNum" sz="quarter" idx="12"/>
+          </p:nvPr>
+        </p:nvSpPr>
+        <p:spPr/>
+        <p:txBody>
+          <a:bodyPr rtlCol="0"/>
           <a:lstStyle/>
           <a:p>
-            <a:r>
-              <a:rPr lang="en-US" altLang="zh-TW" dirty="0"/>
-              <a:t>Line bot</a:t>
-            </a:r>
-            <a:endParaRPr lang="zh-TW" altLang="en-US" dirty="0"/>
-          </a:p>
-        </p:txBody>
-      </p:sp>
-      <p:sp>
-        <p:nvSpPr>
-          <p:cNvPr id="3" name="投影片編號版面配置區 2">
-            <a:extLst>
-              <a:ext uri="{FF2B5EF4-FFF2-40B4-BE49-F238E27FC236}">
-                <a16:creationId xmlns:a16="http://schemas.microsoft.com/office/drawing/2014/main" id="{C41F0779-5946-A719-FE6D-05AA91EF15E5}"/>
-              </a:ext>
-            </a:extLst>
-          </p:cNvPr>
-          <p:cNvSpPr>
-            <a:spLocks noGrp="1"/>
-          </p:cNvSpPr>
-          <p:nvPr>
-            <p:ph type="sldNum" sz="quarter" idx="11"/>
-          </p:nvPr>
-        </p:nvSpPr>
-        <p:spPr/>
-        <p:txBody>
-          <a:bodyPr/>
-          <a:lstStyle/>
-          <a:p>
+            <a:pPr rtl="0"/>
             <a:fld id="{8C2E478F-E849-4A8C-AF1F-CBCC78A7CBFA}" type="slidenum">
-              <a:rPr lang="en-US" altLang="zh-TW" noProof="0" smtClean="0"/>
-              <a:pPr/>
+              <a:rPr lang="en-US" altLang="zh-TW" smtClean="0"/>
               <a:t>10</a:t>
             </a:fld>
-            <a:endParaRPr lang="zh-TW" altLang="en-US" noProof="0"/>
-          </a:p>
-        </p:txBody>
-      </p:sp>
-      <p:pic>
-        <p:nvPicPr>
-          <p:cNvPr id="5" name="圖片 4">
-            <a:extLst>
-              <a:ext uri="{FF2B5EF4-FFF2-40B4-BE49-F238E27FC236}">
-                <a16:creationId xmlns:a16="http://schemas.microsoft.com/office/drawing/2014/main" id="{22C5340D-1E53-98CB-CE3B-5F5C5AA3FDCD}"/>
-              </a:ext>
-            </a:extLst>
-          </p:cNvPr>
-          <p:cNvPicPr>
-            <a:picLocks noChangeAspect="1"/>
-          </p:cNvPicPr>
+            <a:endParaRPr lang="zh-TW" altLang="en-US"/>
+          </a:p>
+        </p:txBody>
+      </p:sp>
+      <p:sp>
+        <p:nvSpPr>
+          <p:cNvPr id="7" name="文字方塊 6">
+            <a:extLst>
+              <a:ext uri="{FF2B5EF4-FFF2-40B4-BE49-F238E27FC236}">
+                <a16:creationId xmlns:a16="http://schemas.microsoft.com/office/drawing/2014/main" id="{A52330AC-C2D6-7D1E-7CC3-478B47295390}"/>
+              </a:ext>
+            </a:extLst>
+          </p:cNvPr>
+          <p:cNvSpPr txBox="1"/>
           <p:nvPr/>
-        </p:nvPicPr>
-        <p:blipFill>
-          <a:blip r:embed="rId2"/>
-          <a:stretch>
-            <a:fillRect/>
-          </a:stretch>
-        </p:blipFill>
+        </p:nvSpPr>
         <p:spPr>
           <a:xfrm>
-            <a:off x="698900" y="1766075"/>
-            <a:ext cx="3515216" cy="4801270"/>
+            <a:off x="5547086" y="2565642"/>
+            <a:ext cx="6182912" cy="1477328"/>
           </a:xfrm>
           <a:prstGeom prst="rect">
             <a:avLst/>
           </a:prstGeom>
+          <a:noFill/>
         </p:spPr>
-      </p:pic>
-      <p:pic>
-        <p:nvPicPr>
-          <p:cNvPr id="9" name="圖片 8">
-            <a:extLst>
-              <a:ext uri="{FF2B5EF4-FFF2-40B4-BE49-F238E27FC236}">
-                <a16:creationId xmlns:a16="http://schemas.microsoft.com/office/drawing/2014/main" id="{B7EB9BC1-B43D-E88B-9B70-84763517EDC8}"/>
-              </a:ext>
-            </a:extLst>
-          </p:cNvPr>
-          <p:cNvPicPr>
-            <a:picLocks noChangeAspect="1"/>
-          </p:cNvPicPr>
-          <p:nvPr/>
-        </p:nvPicPr>
-        <p:blipFill rotWithShape="1">
-          <a:blip r:embed="rId3"/>
-          <a:srcRect t="58254"/>
-          <a:stretch/>
-        </p:blipFill>
-        <p:spPr>
-          <a:xfrm>
-            <a:off x="8299103" y="1766075"/>
-            <a:ext cx="3429479" cy="2676394"/>
-          </a:xfrm>
-          <a:prstGeom prst="rect">
-            <a:avLst/>
-          </a:prstGeom>
-        </p:spPr>
-      </p:pic>
-      <p:pic>
-        <p:nvPicPr>
-          <p:cNvPr id="10" name="圖片 9">
-            <a:extLst>
-              <a:ext uri="{FF2B5EF4-FFF2-40B4-BE49-F238E27FC236}">
-                <a16:creationId xmlns:a16="http://schemas.microsoft.com/office/drawing/2014/main" id="{9ACFC9B3-7F80-54C0-BB07-8E716E628B53}"/>
-              </a:ext>
-            </a:extLst>
-          </p:cNvPr>
-          <p:cNvPicPr>
-            <a:picLocks noChangeAspect="1"/>
-          </p:cNvPicPr>
-          <p:nvPr/>
-        </p:nvPicPr>
-        <p:blipFill rotWithShape="1">
-          <a:blip r:embed="rId3"/>
-          <a:srcRect b="40475"/>
-          <a:stretch/>
-        </p:blipFill>
-        <p:spPr>
-          <a:xfrm>
-            <a:off x="4541870" y="1766075"/>
-            <a:ext cx="3429479" cy="3816307"/>
-          </a:xfrm>
-          <a:prstGeom prst="rect">
-            <a:avLst/>
-          </a:prstGeom>
-        </p:spPr>
-      </p:pic>
+        <p:txBody>
+          <a:bodyPr wrap="square">
+            <a:spAutoFit/>
+          </a:bodyPr>
+          <a:lstStyle/>
+          <a:p>
+            <a:pPr marL="285750" indent="-285750">
+              <a:buFont typeface="Arial" panose="020B0604020202020204" pitchFamily="34" charset="0"/>
+              <a:buChar char="•"/>
+            </a:pPr>
+            <a:r>
+              <a:rPr lang="en-US" altLang="zh-TW" dirty="0"/>
+              <a:t>GRU</a:t>
+            </a:r>
+            <a:r>
+              <a:rPr lang="zh-TW" altLang="en-US" dirty="0"/>
+              <a:t>訓練時間較</a:t>
+            </a:r>
+            <a:r>
+              <a:rPr lang="en-US" altLang="zh-TW" dirty="0"/>
+              <a:t>LSTM</a:t>
+            </a:r>
+            <a:r>
+              <a:rPr lang="zh-TW" altLang="en-US" dirty="0"/>
+              <a:t>短，相同時間可訓練的</a:t>
+            </a:r>
+            <a:r>
+              <a:rPr lang="en-US" altLang="zh-TW" dirty="0"/>
+              <a:t>epoch</a:t>
+            </a:r>
+            <a:r>
+              <a:rPr lang="zh-TW" altLang="en-US" dirty="0"/>
+              <a:t>數較多</a:t>
+            </a:r>
+            <a:endParaRPr lang="en-US" altLang="zh-TW" dirty="0"/>
+          </a:p>
+          <a:p>
+            <a:pPr marL="285750" indent="-285750">
+              <a:buFont typeface="Arial" panose="020B0604020202020204" pitchFamily="34" charset="0"/>
+              <a:buChar char="•"/>
+            </a:pPr>
+            <a:endParaRPr lang="en-US" altLang="zh-TW" dirty="0"/>
+          </a:p>
+          <a:p>
+            <a:pPr marL="285750" indent="-285750">
+              <a:buFont typeface="Arial" panose="020B0604020202020204" pitchFamily="34" charset="0"/>
+              <a:buChar char="•"/>
+            </a:pPr>
+            <a:r>
+              <a:rPr lang="zh-TW" altLang="en-US" dirty="0"/>
+              <a:t>由於資料前處理不夠完善，導致效果不佳</a:t>
+            </a:r>
+            <a:endParaRPr lang="en-US" altLang="zh-TW" dirty="0"/>
+          </a:p>
+          <a:p>
+            <a:pPr marL="285750" indent="-285750">
+              <a:buFont typeface="Arial" panose="020B0604020202020204" pitchFamily="34" charset="0"/>
+              <a:buChar char="•"/>
+            </a:pPr>
+            <a:endParaRPr lang="en-US" altLang="zh-TW" dirty="0"/>
+          </a:p>
+          <a:p>
+            <a:pPr marL="285750" indent="-285750">
+              <a:buFont typeface="Arial" panose="020B0604020202020204" pitchFamily="34" charset="0"/>
+              <a:buChar char="•"/>
+            </a:pPr>
+            <a:r>
+              <a:rPr lang="zh-TW" altLang="en-US" dirty="0"/>
+              <a:t>需依照資料量調整模型大小及參數</a:t>
+            </a:r>
+          </a:p>
+        </p:txBody>
+      </p:sp>
     </p:spTree>
     <p:extLst>
       <p:ext uri="{BB962C8B-B14F-4D97-AF65-F5344CB8AC3E}">
-        <p14:creationId xmlns:p14="http://schemas.microsoft.com/office/powerpoint/2010/main" val="882519677"/>
+        <p14:creationId xmlns:p14="http://schemas.microsoft.com/office/powerpoint/2010/main" val="3164405530"/>
       </p:ext>
     </p:extLst>
   </p:cSld>
@@ -6742,239 +6745,6 @@
       </p:grpSpPr>
       <p:sp>
         <p:nvSpPr>
-          <p:cNvPr id="3" name="標題 2">
-            <a:extLst>
-              <a:ext uri="{FF2B5EF4-FFF2-40B4-BE49-F238E27FC236}">
-                <a16:creationId xmlns:a16="http://schemas.microsoft.com/office/drawing/2014/main" id="{1D24B42B-925B-494C-A986-BD85E8117E1E}"/>
-              </a:ext>
-            </a:extLst>
-          </p:cNvPr>
-          <p:cNvSpPr>
-            <a:spLocks noGrp="1"/>
-          </p:cNvSpPr>
-          <p:nvPr>
-            <p:ph type="title"/>
-          </p:nvPr>
-        </p:nvSpPr>
-        <p:spPr>
-          <a:xfrm>
-            <a:off x="6297819" y="205374"/>
-            <a:ext cx="5251450" cy="1661297"/>
-          </a:xfrm>
-        </p:spPr>
-        <p:txBody>
-          <a:bodyPr rtlCol="0">
-            <a:normAutofit fontScale="90000"/>
-          </a:bodyPr>
-          <a:lstStyle/>
-          <a:p>
-            <a:pPr rtl="0"/>
-            <a:r>
-              <a:rPr lang="en-US" altLang="zh-TW" dirty="0">
-                <a:latin typeface="Times New Roman" panose="02020603050405020304" pitchFamily="18" charset="0"/>
-                <a:cs typeface="Times New Roman" panose="02020603050405020304" pitchFamily="18" charset="0"/>
-              </a:rPr>
-              <a:t>Conclusion</a:t>
-            </a:r>
-            <a:endParaRPr lang="zh-TW" altLang="en-US" dirty="0"/>
-          </a:p>
-        </p:txBody>
-      </p:sp>
-      <p:pic>
-        <p:nvPicPr>
-          <p:cNvPr id="13" name="圖片版面配置區 12" descr="桌上的電腦靠著磚牆的特寫">
-            <a:extLst>
-              <a:ext uri="{FF2B5EF4-FFF2-40B4-BE49-F238E27FC236}">
-                <a16:creationId xmlns:a16="http://schemas.microsoft.com/office/drawing/2014/main" id="{90BB9493-60B4-4B89-89CE-E1F8BF6C4D12}"/>
-              </a:ext>
-            </a:extLst>
-          </p:cNvPr>
-          <p:cNvPicPr>
-            <a:picLocks noGrp="1" noChangeAspect="1"/>
-          </p:cNvPicPr>
-          <p:nvPr>
-            <p:ph type="pic" sz="quarter" idx="13"/>
-          </p:nvPr>
-        </p:nvPicPr>
-        <p:blipFill rotWithShape="1">
-          <a:blip r:embed="rId3" cstate="email">
-            <a:extLst>
-              <a:ext uri="{BEBA8EAE-BF5A-486C-A8C5-ECC9F3942E4B}">
-                <a14:imgProps xmlns:a14="http://schemas.microsoft.com/office/drawing/2010/main">
-                  <a14:imgLayer r:embed="rId4">
-                    <a14:imgEffect>
-                      <a14:saturation sat="0"/>
-                    </a14:imgEffect>
-                  </a14:imgLayer>
-                </a14:imgProps>
-              </a:ext>
-              <a:ext uri="{28A0092B-C50C-407E-A947-70E740481C1C}">
-                <a14:useLocalDpi xmlns:a14="http://schemas.microsoft.com/office/drawing/2010/main"/>
-              </a:ext>
-            </a:extLst>
-          </a:blip>
-          <a:srcRect l="20370" r="20370"/>
-          <a:stretch/>
-        </p:blipFill>
-        <p:spPr/>
-      </p:pic>
-      <p:sp>
-        <p:nvSpPr>
-          <p:cNvPr id="2" name="投影片編號版面配置區 1">
-            <a:extLst>
-              <a:ext uri="{FF2B5EF4-FFF2-40B4-BE49-F238E27FC236}">
-                <a16:creationId xmlns:a16="http://schemas.microsoft.com/office/drawing/2014/main" id="{948DD8A0-BD53-4DBF-949B-0D64D12DADA9}"/>
-              </a:ext>
-            </a:extLst>
-          </p:cNvPr>
-          <p:cNvSpPr>
-            <a:spLocks noGrp="1"/>
-          </p:cNvSpPr>
-          <p:nvPr>
-            <p:ph type="sldNum" sz="quarter" idx="12"/>
-          </p:nvPr>
-        </p:nvSpPr>
-        <p:spPr/>
-        <p:txBody>
-          <a:bodyPr rtlCol="0"/>
-          <a:lstStyle/>
-          <a:p>
-            <a:pPr rtl="0"/>
-            <a:fld id="{8C2E478F-E849-4A8C-AF1F-CBCC78A7CBFA}" type="slidenum">
-              <a:rPr lang="en-US" altLang="zh-TW" smtClean="0"/>
-              <a:t>11</a:t>
-            </a:fld>
-            <a:endParaRPr lang="zh-TW" altLang="en-US"/>
-          </a:p>
-        </p:txBody>
-      </p:sp>
-      <p:sp>
-        <p:nvSpPr>
-          <p:cNvPr id="7" name="文字方塊 6">
-            <a:extLst>
-              <a:ext uri="{FF2B5EF4-FFF2-40B4-BE49-F238E27FC236}">
-                <a16:creationId xmlns:a16="http://schemas.microsoft.com/office/drawing/2014/main" id="{A52330AC-C2D6-7D1E-7CC3-478B47295390}"/>
-              </a:ext>
-            </a:extLst>
-          </p:cNvPr>
-          <p:cNvSpPr txBox="1"/>
-          <p:nvPr/>
-        </p:nvSpPr>
-        <p:spPr>
-          <a:xfrm>
-            <a:off x="5547086" y="2565642"/>
-            <a:ext cx="6182912" cy="1477328"/>
-          </a:xfrm>
-          <a:prstGeom prst="rect">
-            <a:avLst/>
-          </a:prstGeom>
-          <a:noFill/>
-        </p:spPr>
-        <p:txBody>
-          <a:bodyPr wrap="square">
-            <a:spAutoFit/>
-          </a:bodyPr>
-          <a:lstStyle/>
-          <a:p>
-            <a:pPr marL="285750" indent="-285750">
-              <a:buFont typeface="Arial" panose="020B0604020202020204" pitchFamily="34" charset="0"/>
-              <a:buChar char="•"/>
-            </a:pPr>
-            <a:r>
-              <a:rPr lang="en-US" altLang="zh-TW" dirty="0"/>
-              <a:t>GRU</a:t>
-            </a:r>
-            <a:r>
-              <a:rPr lang="zh-TW" altLang="en-US" dirty="0"/>
-              <a:t>訓練時間較</a:t>
-            </a:r>
-            <a:r>
-              <a:rPr lang="en-US" altLang="zh-TW" dirty="0"/>
-              <a:t>LSTM</a:t>
-            </a:r>
-            <a:r>
-              <a:rPr lang="zh-TW" altLang="en-US" dirty="0"/>
-              <a:t>短，相同時間可訓練的</a:t>
-            </a:r>
-            <a:r>
-              <a:rPr lang="en-US" altLang="zh-TW" dirty="0"/>
-              <a:t>epoch</a:t>
-            </a:r>
-            <a:r>
-              <a:rPr lang="zh-TW" altLang="en-US" dirty="0"/>
-              <a:t>數較多</a:t>
-            </a:r>
-            <a:endParaRPr lang="en-US" altLang="zh-TW" dirty="0"/>
-          </a:p>
-          <a:p>
-            <a:pPr marL="285750" indent="-285750">
-              <a:buFont typeface="Arial" panose="020B0604020202020204" pitchFamily="34" charset="0"/>
-              <a:buChar char="•"/>
-            </a:pPr>
-            <a:endParaRPr lang="en-US" altLang="zh-TW" dirty="0"/>
-          </a:p>
-          <a:p>
-            <a:pPr marL="285750" indent="-285750">
-              <a:buFont typeface="Arial" panose="020B0604020202020204" pitchFamily="34" charset="0"/>
-              <a:buChar char="•"/>
-            </a:pPr>
-            <a:r>
-              <a:rPr lang="zh-TW" altLang="en-US" dirty="0"/>
-              <a:t>由於資料前處理不夠完善，導致效果不佳</a:t>
-            </a:r>
-            <a:endParaRPr lang="en-US" altLang="zh-TW" dirty="0"/>
-          </a:p>
-          <a:p>
-            <a:pPr marL="285750" indent="-285750">
-              <a:buFont typeface="Arial" panose="020B0604020202020204" pitchFamily="34" charset="0"/>
-              <a:buChar char="•"/>
-            </a:pPr>
-            <a:endParaRPr lang="en-US" altLang="zh-TW" dirty="0"/>
-          </a:p>
-          <a:p>
-            <a:pPr marL="285750" indent="-285750">
-              <a:buFont typeface="Arial" panose="020B0604020202020204" pitchFamily="34" charset="0"/>
-              <a:buChar char="•"/>
-            </a:pPr>
-            <a:r>
-              <a:rPr lang="zh-TW" altLang="en-US" dirty="0"/>
-              <a:t>需依照資料量調整模型大小及參數</a:t>
-            </a:r>
-          </a:p>
-        </p:txBody>
-      </p:sp>
-    </p:spTree>
-    <p:extLst>
-      <p:ext uri="{BB962C8B-B14F-4D97-AF65-F5344CB8AC3E}">
-        <p14:creationId xmlns:p14="http://schemas.microsoft.com/office/powerpoint/2010/main" val="3164405530"/>
-      </p:ext>
-    </p:extLst>
-  </p:cSld>
-  <p:clrMapOvr>
-    <a:masterClrMapping/>
-  </p:clrMapOvr>
-</p:sld>
-</file>
-
-<file path=ppt/slides/slide12.xml><?xml version="1.0" encoding="utf-8"?>
-<p:sld xmlns:a="http://schemas.openxmlformats.org/drawingml/2006/main" xmlns:r="http://schemas.openxmlformats.org/officeDocument/2006/relationships" xmlns:p="http://schemas.openxmlformats.org/presentationml/2006/main">
-  <p:cSld>
-    <p:spTree>
-      <p:nvGrpSpPr>
-        <p:cNvPr id="1" name=""/>
-        <p:cNvGrpSpPr/>
-        <p:nvPr/>
-      </p:nvGrpSpPr>
-      <p:grpSpPr>
-        <a:xfrm>
-          <a:off x="0" y="0"/>
-          <a:ext cx="0" cy="0"/>
-          <a:chOff x="0" y="0"/>
-          <a:chExt cx="0" cy="0"/>
-        </a:xfrm>
-      </p:grpSpPr>
-      <p:sp>
-        <p:nvSpPr>
           <p:cNvPr id="2" name="標題 1">
             <a:extLst>
               <a:ext uri="{FF2B5EF4-FFF2-40B4-BE49-F238E27FC236}">
@@ -7070,7 +6840,7 @@
             <a:pPr rtl="0"/>
             <a:fld id="{8C2E478F-E849-4A8C-AF1F-CBCC78A7CBFA}" type="slidenum">
               <a:rPr lang="en-US" altLang="zh-TW" smtClean="0"/>
-              <a:t>12</a:t>
+              <a:t>11</a:t>
             </a:fld>
             <a:endParaRPr lang="zh-TW" altLang="en-US"/>
           </a:p>
@@ -8462,7 +8232,7 @@
           <p:cNvPr id="2" name="標題 1">
             <a:extLst>
               <a:ext uri="{FF2B5EF4-FFF2-40B4-BE49-F238E27FC236}">
-                <a16:creationId xmlns:a16="http://schemas.microsoft.com/office/drawing/2014/main" id="{B4FC4A04-1F08-7203-BC5B-927DFBC84AAC}"/>
+                <a16:creationId xmlns:a16="http://schemas.microsoft.com/office/drawing/2014/main" id="{9BE5AAF2-3E4E-71A7-A6C5-84D13F39A103}"/>
               </a:ext>
             </a:extLst>
           </p:cNvPr>
@@ -8480,7 +8250,7 @@
           <a:p>
             <a:r>
               <a:rPr lang="en-US" altLang="zh-TW" dirty="0"/>
-              <a:t>Sample code Test</a:t>
+              <a:t>GRU</a:t>
             </a:r>
             <a:endParaRPr lang="zh-TW" altLang="en-US" dirty="0"/>
           </a:p>
@@ -8491,7 +8261,7 @@
           <p:cNvPr id="3" name="投影片編號版面配置區 2">
             <a:extLst>
               <a:ext uri="{FF2B5EF4-FFF2-40B4-BE49-F238E27FC236}">
-                <a16:creationId xmlns:a16="http://schemas.microsoft.com/office/drawing/2014/main" id="{6653434B-4033-5DF1-6320-5CA8EDD8F298}"/>
+                <a16:creationId xmlns:a16="http://schemas.microsoft.com/office/drawing/2014/main" id="{F18A3C59-1D89-4534-31FA-E768BF03CCC4}"/>
               </a:ext>
             </a:extLst>
           </p:cNvPr>
@@ -8521,37 +8291,7 @@
           <p:cNvPr id="4" name="圖片 3">
             <a:extLst>
               <a:ext uri="{FF2B5EF4-FFF2-40B4-BE49-F238E27FC236}">
-                <a16:creationId xmlns:a16="http://schemas.microsoft.com/office/drawing/2014/main" id="{28798EE8-2330-1518-A06C-3AAA7824E385}"/>
-              </a:ext>
-            </a:extLst>
-          </p:cNvPr>
-          <p:cNvPicPr>
-            <a:picLocks noChangeAspect="1"/>
-          </p:cNvPicPr>
-          <p:nvPr/>
-        </p:nvPicPr>
-        <p:blipFill>
-          <a:blip r:embed="rId2"/>
-          <a:stretch>
-            <a:fillRect/>
-          </a:stretch>
-        </p:blipFill>
-        <p:spPr>
-          <a:xfrm>
-            <a:off x="167005" y="1899239"/>
-            <a:ext cx="5274310" cy="2484755"/>
-          </a:xfrm>
-          <a:prstGeom prst="rect">
-            <a:avLst/>
-          </a:prstGeom>
-        </p:spPr>
-      </p:pic>
-      <p:pic>
-        <p:nvPicPr>
-          <p:cNvPr id="5" name="圖片 4">
-            <a:extLst>
-              <a:ext uri="{FF2B5EF4-FFF2-40B4-BE49-F238E27FC236}">
-                <a16:creationId xmlns:a16="http://schemas.microsoft.com/office/drawing/2014/main" id="{9581D0C9-C585-5A60-0257-130CCCDF9F16}"/>
+                <a16:creationId xmlns:a16="http://schemas.microsoft.com/office/drawing/2014/main" id="{F7864D5A-9493-A863-DD9A-DD28EC9CBA89}"/>
               </a:ext>
             </a:extLst>
           </p:cNvPr>
@@ -8568,20 +8308,50 @@
         </p:blipFill>
         <p:spPr>
           <a:xfrm>
-            <a:off x="4556125" y="2721701"/>
-            <a:ext cx="6999068" cy="3888000"/>
+            <a:off x="184417" y="1721710"/>
+            <a:ext cx="6054487" cy="2880000"/>
           </a:xfrm>
           <a:prstGeom prst="rect">
             <a:avLst/>
           </a:prstGeom>
         </p:spPr>
       </p:pic>
+      <p:pic>
+        <p:nvPicPr>
+          <p:cNvPr id="5" name="圖片 4">
+            <a:extLst>
+              <a:ext uri="{FF2B5EF4-FFF2-40B4-BE49-F238E27FC236}">
+                <a16:creationId xmlns:a16="http://schemas.microsoft.com/office/drawing/2014/main" id="{8AD49FCE-A5C2-AE54-CD66-FAA3A8A10FE4}"/>
+              </a:ext>
+            </a:extLst>
+          </p:cNvPr>
+          <p:cNvPicPr>
+            <a:picLocks noChangeAspect="1"/>
+          </p:cNvPicPr>
+          <p:nvPr/>
+        </p:nvPicPr>
+        <p:blipFill>
+          <a:blip r:embed="rId4"/>
+          <a:stretch>
+            <a:fillRect/>
+          </a:stretch>
+        </p:blipFill>
+        <p:spPr>
+          <a:xfrm>
+            <a:off x="5717841" y="2322603"/>
+            <a:ext cx="5879640" cy="4428000"/>
+          </a:xfrm>
+          <a:prstGeom prst="rect">
+            <a:avLst/>
+          </a:prstGeom>
+        </p:spPr>
+      </p:pic>
       <p:sp>
         <p:nvSpPr>
           <p:cNvPr id="7" name="文字方塊 6">
             <a:extLst>
               <a:ext uri="{FF2B5EF4-FFF2-40B4-BE49-F238E27FC236}">
-                <a16:creationId xmlns:a16="http://schemas.microsoft.com/office/drawing/2014/main" id="{B40B0EF0-618C-1345-BB1F-8123AE3023F6}"/>
+                <a16:creationId xmlns:a16="http://schemas.microsoft.com/office/drawing/2014/main" id="{27C6E6A5-1AFD-B220-B83B-74AC9B5F5064}"/>
               </a:ext>
             </a:extLst>
           </p:cNvPr>
@@ -8590,8 +8360,8 @@
         </p:nvSpPr>
         <p:spPr>
           <a:xfrm>
-            <a:off x="235132" y="4587453"/>
-            <a:ext cx="2499360" cy="1200329"/>
+            <a:off x="184417" y="4731716"/>
+            <a:ext cx="1783720" cy="1200329"/>
           </a:xfrm>
           <a:prstGeom prst="rect">
             <a:avLst/>
@@ -8606,7 +8376,7 @@
           <a:p>
             <a:r>
               <a:rPr lang="zh-TW" altLang="en-US" dirty="0"/>
-              <a:t>EPOCHS = 100</a:t>
+              <a:t>EPOCHS = 200</a:t>
             </a:r>
           </a:p>
           <a:p>
@@ -8634,7 +8404,7 @@
           <p:cNvPr id="8" name="文字方塊 7">
             <a:extLst>
               <a:ext uri="{FF2B5EF4-FFF2-40B4-BE49-F238E27FC236}">
-                <a16:creationId xmlns:a16="http://schemas.microsoft.com/office/drawing/2014/main" id="{66ED4585-C3CF-8095-711F-2F108E9F7CAE}"/>
+                <a16:creationId xmlns:a16="http://schemas.microsoft.com/office/drawing/2014/main" id="{0F1DDA75-DEDB-EC41-3FAC-EF276776696E}"/>
               </a:ext>
             </a:extLst>
           </p:cNvPr>
@@ -8643,7 +8413,7 @@
         </p:nvSpPr>
         <p:spPr>
           <a:xfrm>
-            <a:off x="5647509" y="2128642"/>
+            <a:off x="6280417" y="1823265"/>
             <a:ext cx="5360125" cy="369332"/>
           </a:xfrm>
           <a:prstGeom prst="rect">
@@ -8659,7 +8429,15 @@
           <a:p>
             <a:r>
               <a:rPr lang="zh-TW" altLang="en-US" dirty="0"/>
-              <a:t>可以發現許多回覆不合日常文法及邏輯</a:t>
+              <a:t>或許是</a:t>
+            </a:r>
+            <a:r>
+              <a:rPr lang="en-US" altLang="zh-TW" dirty="0"/>
+              <a:t>epoch</a:t>
+            </a:r>
+            <a:r>
+              <a:rPr lang="zh-TW" altLang="en-US" dirty="0"/>
+              <a:t>數的關係，稍微比前者好一點</a:t>
             </a:r>
           </a:p>
         </p:txBody>
@@ -8667,7 +8445,7 @@
     </p:spTree>
     <p:extLst>
       <p:ext uri="{BB962C8B-B14F-4D97-AF65-F5344CB8AC3E}">
-        <p14:creationId xmlns:p14="http://schemas.microsoft.com/office/powerpoint/2010/main" val="3901361876"/>
+        <p14:creationId xmlns:p14="http://schemas.microsoft.com/office/powerpoint/2010/main" val="1802371535"/>
       </p:ext>
     </p:extLst>
   </p:cSld>
@@ -8699,7 +8477,7 @@
           <p:cNvPr id="2" name="標題 1">
             <a:extLst>
               <a:ext uri="{FF2B5EF4-FFF2-40B4-BE49-F238E27FC236}">
-                <a16:creationId xmlns:a16="http://schemas.microsoft.com/office/drawing/2014/main" id="{9BE5AAF2-3E4E-71A7-A6C5-84D13F39A103}"/>
+                <a16:creationId xmlns:a16="http://schemas.microsoft.com/office/drawing/2014/main" id="{373DF402-1374-B65C-20E3-1FB8A0489580}"/>
               </a:ext>
             </a:extLst>
           </p:cNvPr>
@@ -8716,8 +8494,8 @@
           <a:lstStyle/>
           <a:p>
             <a:r>
-              <a:rPr lang="en-US" altLang="zh-TW" dirty="0"/>
-              <a:t>GRU</a:t>
+              <a:rPr lang="en-US" altLang="zh-TW" dirty="0" err="1"/>
+              <a:t>bert</a:t>
             </a:r>
             <a:endParaRPr lang="zh-TW" altLang="en-US" dirty="0"/>
           </a:p>
@@ -8728,7 +8506,7 @@
           <p:cNvPr id="3" name="投影片編號版面配置區 2">
             <a:extLst>
               <a:ext uri="{FF2B5EF4-FFF2-40B4-BE49-F238E27FC236}">
-                <a16:creationId xmlns:a16="http://schemas.microsoft.com/office/drawing/2014/main" id="{F18A3C59-1D89-4534-31FA-E768BF03CCC4}"/>
+                <a16:creationId xmlns:a16="http://schemas.microsoft.com/office/drawing/2014/main" id="{F31BB4D4-1F9D-F561-D6BF-FA8DFAF99B41}"/>
               </a:ext>
             </a:extLst>
           </p:cNvPr>
@@ -8748,251 +8526,6 @@
               <a:rPr lang="en-US" altLang="zh-TW" noProof="0" smtClean="0"/>
               <a:pPr/>
               <a:t>8</a:t>
-            </a:fld>
-            <a:endParaRPr lang="zh-TW" altLang="en-US" noProof="0"/>
-          </a:p>
-        </p:txBody>
-      </p:sp>
-      <p:pic>
-        <p:nvPicPr>
-          <p:cNvPr id="4" name="圖片 3">
-            <a:extLst>
-              <a:ext uri="{FF2B5EF4-FFF2-40B4-BE49-F238E27FC236}">
-                <a16:creationId xmlns:a16="http://schemas.microsoft.com/office/drawing/2014/main" id="{F7864D5A-9493-A863-DD9A-DD28EC9CBA89}"/>
-              </a:ext>
-            </a:extLst>
-          </p:cNvPr>
-          <p:cNvPicPr>
-            <a:picLocks noChangeAspect="1"/>
-          </p:cNvPicPr>
-          <p:nvPr/>
-        </p:nvPicPr>
-        <p:blipFill>
-          <a:blip r:embed="rId3"/>
-          <a:stretch>
-            <a:fillRect/>
-          </a:stretch>
-        </p:blipFill>
-        <p:spPr>
-          <a:xfrm>
-            <a:off x="184417" y="1721710"/>
-            <a:ext cx="6054487" cy="2880000"/>
-          </a:xfrm>
-          <a:prstGeom prst="rect">
-            <a:avLst/>
-          </a:prstGeom>
-        </p:spPr>
-      </p:pic>
-      <p:pic>
-        <p:nvPicPr>
-          <p:cNvPr id="5" name="圖片 4">
-            <a:extLst>
-              <a:ext uri="{FF2B5EF4-FFF2-40B4-BE49-F238E27FC236}">
-                <a16:creationId xmlns:a16="http://schemas.microsoft.com/office/drawing/2014/main" id="{8AD49FCE-A5C2-AE54-CD66-FAA3A8A10FE4}"/>
-              </a:ext>
-            </a:extLst>
-          </p:cNvPr>
-          <p:cNvPicPr>
-            <a:picLocks noChangeAspect="1"/>
-          </p:cNvPicPr>
-          <p:nvPr/>
-        </p:nvPicPr>
-        <p:blipFill>
-          <a:blip r:embed="rId4"/>
-          <a:stretch>
-            <a:fillRect/>
-          </a:stretch>
-        </p:blipFill>
-        <p:spPr>
-          <a:xfrm>
-            <a:off x="5717841" y="2322603"/>
-            <a:ext cx="5879640" cy="4428000"/>
-          </a:xfrm>
-          <a:prstGeom prst="rect">
-            <a:avLst/>
-          </a:prstGeom>
-        </p:spPr>
-      </p:pic>
-      <p:sp>
-        <p:nvSpPr>
-          <p:cNvPr id="7" name="文字方塊 6">
-            <a:extLst>
-              <a:ext uri="{FF2B5EF4-FFF2-40B4-BE49-F238E27FC236}">
-                <a16:creationId xmlns:a16="http://schemas.microsoft.com/office/drawing/2014/main" id="{27C6E6A5-1AFD-B220-B83B-74AC9B5F5064}"/>
-              </a:ext>
-            </a:extLst>
-          </p:cNvPr>
-          <p:cNvSpPr txBox="1"/>
-          <p:nvPr/>
-        </p:nvSpPr>
-        <p:spPr>
-          <a:xfrm>
-            <a:off x="184417" y="4731716"/>
-            <a:ext cx="1783720" cy="1200329"/>
-          </a:xfrm>
-          <a:prstGeom prst="rect">
-            <a:avLst/>
-          </a:prstGeom>
-          <a:noFill/>
-        </p:spPr>
-        <p:txBody>
-          <a:bodyPr wrap="square">
-            <a:spAutoFit/>
-          </a:bodyPr>
-          <a:lstStyle/>
-          <a:p>
-            <a:r>
-              <a:rPr lang="zh-TW" altLang="en-US" dirty="0"/>
-              <a:t>EPOCHS = 200</a:t>
-            </a:r>
-          </a:p>
-          <a:p>
-            <a:r>
-              <a:rPr lang="zh-TW" altLang="en-US" dirty="0"/>
-              <a:t>BATCH_SIZE = 64</a:t>
-            </a:r>
-          </a:p>
-          <a:p>
-            <a:r>
-              <a:rPr lang="zh-TW" altLang="en-US" dirty="0"/>
-              <a:t>EMB_DIM = 100</a:t>
-            </a:r>
-          </a:p>
-          <a:p>
-            <a:r>
-              <a:rPr lang="zh-TW" altLang="en-US" dirty="0"/>
-              <a:t>UNIT = 64</a:t>
-            </a:r>
-          </a:p>
-        </p:txBody>
-      </p:sp>
-      <p:sp>
-        <p:nvSpPr>
-          <p:cNvPr id="8" name="文字方塊 7">
-            <a:extLst>
-              <a:ext uri="{FF2B5EF4-FFF2-40B4-BE49-F238E27FC236}">
-                <a16:creationId xmlns:a16="http://schemas.microsoft.com/office/drawing/2014/main" id="{0F1DDA75-DEDB-EC41-3FAC-EF276776696E}"/>
-              </a:ext>
-            </a:extLst>
-          </p:cNvPr>
-          <p:cNvSpPr txBox="1"/>
-          <p:nvPr/>
-        </p:nvSpPr>
-        <p:spPr>
-          <a:xfrm>
-            <a:off x="6280417" y="1823265"/>
-            <a:ext cx="5360125" cy="369332"/>
-          </a:xfrm>
-          <a:prstGeom prst="rect">
-            <a:avLst/>
-          </a:prstGeom>
-          <a:noFill/>
-        </p:spPr>
-        <p:txBody>
-          <a:bodyPr wrap="square">
-            <a:spAutoFit/>
-          </a:bodyPr>
-          <a:lstStyle/>
-          <a:p>
-            <a:r>
-              <a:rPr lang="zh-TW" altLang="en-US" dirty="0"/>
-              <a:t>或許是</a:t>
-            </a:r>
-            <a:r>
-              <a:rPr lang="en-US" altLang="zh-TW" dirty="0"/>
-              <a:t>epoch</a:t>
-            </a:r>
-            <a:r>
-              <a:rPr lang="zh-TW" altLang="en-US" dirty="0"/>
-              <a:t>數的關係，稍微比前者好一點</a:t>
-            </a:r>
-          </a:p>
-        </p:txBody>
-      </p:sp>
-    </p:spTree>
-    <p:extLst>
-      <p:ext uri="{BB962C8B-B14F-4D97-AF65-F5344CB8AC3E}">
-        <p14:creationId xmlns:p14="http://schemas.microsoft.com/office/powerpoint/2010/main" val="1802371535"/>
-      </p:ext>
-    </p:extLst>
-  </p:cSld>
-  <p:clrMapOvr>
-    <a:masterClrMapping/>
-  </p:clrMapOvr>
-</p:sld>
-</file>
-
-<file path=ppt/slides/slide9.xml><?xml version="1.0" encoding="utf-8"?>
-<p:sld xmlns:a="http://schemas.openxmlformats.org/drawingml/2006/main" xmlns:r="http://schemas.openxmlformats.org/officeDocument/2006/relationships" xmlns:p="http://schemas.openxmlformats.org/presentationml/2006/main">
-  <p:cSld>
-    <p:spTree>
-      <p:nvGrpSpPr>
-        <p:cNvPr id="1" name=""/>
-        <p:cNvGrpSpPr/>
-        <p:nvPr/>
-      </p:nvGrpSpPr>
-      <p:grpSpPr>
-        <a:xfrm>
-          <a:off x="0" y="0"/>
-          <a:ext cx="0" cy="0"/>
-          <a:chOff x="0" y="0"/>
-          <a:chExt cx="0" cy="0"/>
-        </a:xfrm>
-      </p:grpSpPr>
-      <p:sp>
-        <p:nvSpPr>
-          <p:cNvPr id="2" name="標題 1">
-            <a:extLst>
-              <a:ext uri="{FF2B5EF4-FFF2-40B4-BE49-F238E27FC236}">
-                <a16:creationId xmlns:a16="http://schemas.microsoft.com/office/drawing/2014/main" id="{373DF402-1374-B65C-20E3-1FB8A0489580}"/>
-              </a:ext>
-            </a:extLst>
-          </p:cNvPr>
-          <p:cNvSpPr>
-            <a:spLocks noGrp="1"/>
-          </p:cNvSpPr>
-          <p:nvPr>
-            <p:ph type="title"/>
-          </p:nvPr>
-        </p:nvSpPr>
-        <p:spPr/>
-        <p:txBody>
-          <a:bodyPr/>
-          <a:lstStyle/>
-          <a:p>
-            <a:r>
-              <a:rPr lang="en-US" altLang="zh-TW" dirty="0" err="1"/>
-              <a:t>bert</a:t>
-            </a:r>
-            <a:endParaRPr lang="zh-TW" altLang="en-US" dirty="0"/>
-          </a:p>
-        </p:txBody>
-      </p:sp>
-      <p:sp>
-        <p:nvSpPr>
-          <p:cNvPr id="3" name="投影片編號版面配置區 2">
-            <a:extLst>
-              <a:ext uri="{FF2B5EF4-FFF2-40B4-BE49-F238E27FC236}">
-                <a16:creationId xmlns:a16="http://schemas.microsoft.com/office/drawing/2014/main" id="{F31BB4D4-1F9D-F561-D6BF-FA8DFAF99B41}"/>
-              </a:ext>
-            </a:extLst>
-          </p:cNvPr>
-          <p:cNvSpPr>
-            <a:spLocks noGrp="1"/>
-          </p:cNvSpPr>
-          <p:nvPr>
-            <p:ph type="sldNum" sz="quarter" idx="11"/>
-          </p:nvPr>
-        </p:nvSpPr>
-        <p:spPr/>
-        <p:txBody>
-          <a:bodyPr/>
-          <a:lstStyle/>
-          <a:p>
-            <a:fld id="{8C2E478F-E849-4A8C-AF1F-CBCC78A7CBFA}" type="slidenum">
-              <a:rPr lang="en-US" altLang="zh-TW" noProof="0" smtClean="0"/>
-              <a:pPr/>
-              <a:t>9</a:t>
             </a:fld>
             <a:endParaRPr lang="zh-TW" altLang="en-US" noProof="0"/>
           </a:p>
@@ -9359,10 +8892,222 @@
           </a:fontRef>
         </p:style>
       </p:cxnSp>
+      <p:sp>
+        <p:nvSpPr>
+          <p:cNvPr id="4" name="文字方塊 3">
+            <a:extLst>
+              <a:ext uri="{FF2B5EF4-FFF2-40B4-BE49-F238E27FC236}">
+                <a16:creationId xmlns:a16="http://schemas.microsoft.com/office/drawing/2014/main" id="{833CBC80-1E0A-9766-B538-22FC131E781B}"/>
+              </a:ext>
+            </a:extLst>
+          </p:cNvPr>
+          <p:cNvSpPr txBox="1"/>
+          <p:nvPr/>
+        </p:nvSpPr>
+        <p:spPr>
+          <a:xfrm>
+            <a:off x="5237074" y="4775832"/>
+            <a:ext cx="5360125" cy="369332"/>
+          </a:xfrm>
+          <a:prstGeom prst="rect">
+            <a:avLst/>
+          </a:prstGeom>
+          <a:noFill/>
+        </p:spPr>
+        <p:txBody>
+          <a:bodyPr wrap="square">
+            <a:spAutoFit/>
+          </a:bodyPr>
+          <a:lstStyle/>
+          <a:p>
+            <a:r>
+              <a:rPr lang="zh-TW" altLang="en-US" dirty="0"/>
+              <a:t>可惜最後來不及練完，無法展示成果</a:t>
+            </a:r>
+          </a:p>
+        </p:txBody>
+      </p:sp>
     </p:spTree>
     <p:extLst>
       <p:ext uri="{BB962C8B-B14F-4D97-AF65-F5344CB8AC3E}">
         <p14:creationId xmlns:p14="http://schemas.microsoft.com/office/powerpoint/2010/main" val="1771491385"/>
+      </p:ext>
+    </p:extLst>
+  </p:cSld>
+  <p:clrMapOvr>
+    <a:masterClrMapping/>
+  </p:clrMapOvr>
+</p:sld>
+</file>
+
+<file path=ppt/slides/slide9.xml><?xml version="1.0" encoding="utf-8"?>
+<p:sld xmlns:a="http://schemas.openxmlformats.org/drawingml/2006/main" xmlns:r="http://schemas.openxmlformats.org/officeDocument/2006/relationships" xmlns:p="http://schemas.openxmlformats.org/presentationml/2006/main">
+  <p:cSld>
+    <p:spTree>
+      <p:nvGrpSpPr>
+        <p:cNvPr id="1" name=""/>
+        <p:cNvGrpSpPr/>
+        <p:nvPr/>
+      </p:nvGrpSpPr>
+      <p:grpSpPr>
+        <a:xfrm>
+          <a:off x="0" y="0"/>
+          <a:ext cx="0" cy="0"/>
+          <a:chOff x="0" y="0"/>
+          <a:chExt cx="0" cy="0"/>
+        </a:xfrm>
+      </p:grpSpPr>
+      <p:sp>
+        <p:nvSpPr>
+          <p:cNvPr id="2" name="標題 1">
+            <a:extLst>
+              <a:ext uri="{FF2B5EF4-FFF2-40B4-BE49-F238E27FC236}">
+                <a16:creationId xmlns:a16="http://schemas.microsoft.com/office/drawing/2014/main" id="{FAFBDDF7-A663-6400-C3EC-E91B4A8FE7EE}"/>
+              </a:ext>
+            </a:extLst>
+          </p:cNvPr>
+          <p:cNvSpPr>
+            <a:spLocks noGrp="1"/>
+          </p:cNvSpPr>
+          <p:nvPr>
+            <p:ph type="title"/>
+          </p:nvPr>
+        </p:nvSpPr>
+        <p:spPr/>
+        <p:txBody>
+          <a:bodyPr/>
+          <a:lstStyle/>
+          <a:p>
+            <a:r>
+              <a:rPr lang="en-US" altLang="zh-TW" dirty="0"/>
+              <a:t>Line bot</a:t>
+            </a:r>
+            <a:endParaRPr lang="zh-TW" altLang="en-US" dirty="0"/>
+          </a:p>
+        </p:txBody>
+      </p:sp>
+      <p:sp>
+        <p:nvSpPr>
+          <p:cNvPr id="3" name="投影片編號版面配置區 2">
+            <a:extLst>
+              <a:ext uri="{FF2B5EF4-FFF2-40B4-BE49-F238E27FC236}">
+                <a16:creationId xmlns:a16="http://schemas.microsoft.com/office/drawing/2014/main" id="{C41F0779-5946-A719-FE6D-05AA91EF15E5}"/>
+              </a:ext>
+            </a:extLst>
+          </p:cNvPr>
+          <p:cNvSpPr>
+            <a:spLocks noGrp="1"/>
+          </p:cNvSpPr>
+          <p:nvPr>
+            <p:ph type="sldNum" sz="quarter" idx="11"/>
+          </p:nvPr>
+        </p:nvSpPr>
+        <p:spPr/>
+        <p:txBody>
+          <a:bodyPr/>
+          <a:lstStyle/>
+          <a:p>
+            <a:fld id="{8C2E478F-E849-4A8C-AF1F-CBCC78A7CBFA}" type="slidenum">
+              <a:rPr lang="en-US" altLang="zh-TW" noProof="0" smtClean="0"/>
+              <a:pPr/>
+              <a:t>9</a:t>
+            </a:fld>
+            <a:endParaRPr lang="zh-TW" altLang="en-US" noProof="0"/>
+          </a:p>
+        </p:txBody>
+      </p:sp>
+      <p:pic>
+        <p:nvPicPr>
+          <p:cNvPr id="5" name="圖片 4">
+            <a:extLst>
+              <a:ext uri="{FF2B5EF4-FFF2-40B4-BE49-F238E27FC236}">
+                <a16:creationId xmlns:a16="http://schemas.microsoft.com/office/drawing/2014/main" id="{22C5340D-1E53-98CB-CE3B-5F5C5AA3FDCD}"/>
+              </a:ext>
+            </a:extLst>
+          </p:cNvPr>
+          <p:cNvPicPr>
+            <a:picLocks noChangeAspect="1"/>
+          </p:cNvPicPr>
+          <p:nvPr/>
+        </p:nvPicPr>
+        <p:blipFill>
+          <a:blip r:embed="rId2"/>
+          <a:stretch>
+            <a:fillRect/>
+          </a:stretch>
+        </p:blipFill>
+        <p:spPr>
+          <a:xfrm>
+            <a:off x="698900" y="1766075"/>
+            <a:ext cx="3515216" cy="4801270"/>
+          </a:xfrm>
+          <a:prstGeom prst="rect">
+            <a:avLst/>
+          </a:prstGeom>
+        </p:spPr>
+      </p:pic>
+      <p:pic>
+        <p:nvPicPr>
+          <p:cNvPr id="9" name="圖片 8">
+            <a:extLst>
+              <a:ext uri="{FF2B5EF4-FFF2-40B4-BE49-F238E27FC236}">
+                <a16:creationId xmlns:a16="http://schemas.microsoft.com/office/drawing/2014/main" id="{B7EB9BC1-B43D-E88B-9B70-84763517EDC8}"/>
+              </a:ext>
+            </a:extLst>
+          </p:cNvPr>
+          <p:cNvPicPr>
+            <a:picLocks noChangeAspect="1"/>
+          </p:cNvPicPr>
+          <p:nvPr/>
+        </p:nvPicPr>
+        <p:blipFill rotWithShape="1">
+          <a:blip r:embed="rId3"/>
+          <a:srcRect t="58254"/>
+          <a:stretch/>
+        </p:blipFill>
+        <p:spPr>
+          <a:xfrm>
+            <a:off x="8299103" y="1766075"/>
+            <a:ext cx="3429479" cy="2676394"/>
+          </a:xfrm>
+          <a:prstGeom prst="rect">
+            <a:avLst/>
+          </a:prstGeom>
+        </p:spPr>
+      </p:pic>
+      <p:pic>
+        <p:nvPicPr>
+          <p:cNvPr id="10" name="圖片 9">
+            <a:extLst>
+              <a:ext uri="{FF2B5EF4-FFF2-40B4-BE49-F238E27FC236}">
+                <a16:creationId xmlns:a16="http://schemas.microsoft.com/office/drawing/2014/main" id="{9ACFC9B3-7F80-54C0-BB07-8E716E628B53}"/>
+              </a:ext>
+            </a:extLst>
+          </p:cNvPr>
+          <p:cNvPicPr>
+            <a:picLocks noChangeAspect="1"/>
+          </p:cNvPicPr>
+          <p:nvPr/>
+        </p:nvPicPr>
+        <p:blipFill rotWithShape="1">
+          <a:blip r:embed="rId3"/>
+          <a:srcRect b="40475"/>
+          <a:stretch/>
+        </p:blipFill>
+        <p:spPr>
+          <a:xfrm>
+            <a:off x="4541870" y="1766075"/>
+            <a:ext cx="3429479" cy="3816307"/>
+          </a:xfrm>
+          <a:prstGeom prst="rect">
+            <a:avLst/>
+          </a:prstGeom>
+        </p:spPr>
+      </p:pic>
+    </p:spTree>
+    <p:extLst>
+      <p:ext uri="{BB962C8B-B14F-4D97-AF65-F5344CB8AC3E}">
+        <p14:creationId xmlns:p14="http://schemas.microsoft.com/office/powerpoint/2010/main" val="882519677"/>
       </p:ext>
     </p:extLst>
   </p:cSld>
@@ -10258,6 +10003,15 @@
 </file>
 
 <file path=customXml/item1.xml><?xml version="1.0" encoding="utf-8"?>
+<?mso-contentType ?>
+<FormTemplates xmlns="http://schemas.microsoft.com/sharepoint/v3/contenttype/forms">
+  <Display>DocumentLibraryForm</Display>
+  <Edit>DocumentLibraryForm</Edit>
+  <New>DocumentLibraryForm</New>
+</FormTemplates>
+</file>
+
+<file path=customXml/item2.xml><?xml version="1.0" encoding="utf-8"?>
 <ct:contentTypeSchema xmlns:ct="http://schemas.microsoft.com/office/2006/metadata/contentType" xmlns:ma="http://schemas.microsoft.com/office/2006/metadata/properties/metaAttributes" ct:_="" ma:_="" ma:contentTypeName="Document" ma:contentTypeID="0x01010079F111ED35F8CC479449609E8A0923A6" ma:contentTypeVersion="12" ma:contentTypeDescription="Create a new document." ma:contentTypeScope="" ma:versionID="426e97fa315356fffbdcd9876fe988c2">
   <xsd:schema xmlns:xsd="http://www.w3.org/2001/XMLSchema" xmlns:xs="http://www.w3.org/2001/XMLSchema" xmlns:p="http://schemas.microsoft.com/office/2006/metadata/properties" xmlns:ns2="71af3243-3dd4-4a8d-8c0d-dd76da1f02a5" xmlns:ns3="16c05727-aa75-4e4a-9b5f-8a80a1165891" targetNamespace="http://schemas.microsoft.com/office/2006/metadata/properties" ma:root="true" ma:fieldsID="14b8f0def80e6d70ce3def20c90759ae" ns2:_="" ns3:_="">
     <xsd:import namespace="71af3243-3dd4-4a8d-8c0d-dd76da1f02a5"/>
@@ -10478,15 +10232,6 @@
 </ct:contentTypeSchema>
 </file>
 
-<file path=customXml/item2.xml><?xml version="1.0" encoding="utf-8"?>
-<?mso-contentType ?>
-<FormTemplates xmlns="http://schemas.microsoft.com/sharepoint/v3/contenttype/forms">
-  <Display>DocumentLibraryForm</Display>
-  <Edit>DocumentLibraryForm</Edit>
-  <New>DocumentLibraryForm</New>
-</FormTemplates>
-</file>
-
 <file path=customXml/item3.xml><?xml version="1.0" encoding="utf-8"?>
 <p:properties xmlns:p="http://schemas.microsoft.com/office/2006/metadata/properties" xmlns:xsi="http://www.w3.org/2001/XMLSchema-instance" xmlns:pc="http://schemas.microsoft.com/office/infopath/2007/PartnerControls">
   <documentManagement>
@@ -10497,6 +10242,14 @@
 </file>
 
 <file path=customXml/itemProps1.xml><?xml version="1.0" encoding="utf-8"?>
+<ds:datastoreItem xmlns:ds="http://schemas.openxmlformats.org/officeDocument/2006/customXml" ds:itemID="{1B7E2D32-4FDD-4266-880C-17595B801432}">
+  <ds:schemaRefs>
+    <ds:schemaRef ds:uri="http://schemas.microsoft.com/sharepoint/v3/contenttype/forms"/>
+  </ds:schemaRefs>
+</ds:datastoreItem>
+</file>
+
+<file path=customXml/itemProps2.xml><?xml version="1.0" encoding="utf-8"?>
 <ds:datastoreItem xmlns:ds="http://schemas.openxmlformats.org/officeDocument/2006/customXml" ds:itemID="{55BB9993-D5F9-46FA-B2E5-80E3632E9820}">
   <ds:schemaRefs>
     <ds:schemaRef ds:uri="http://schemas.microsoft.com/office/2006/metadata/contentType"/>
@@ -10515,14 +10268,6 @@
 </ds:datastoreItem>
 </file>
 
-<file path=customXml/itemProps2.xml><?xml version="1.0" encoding="utf-8"?>
-<ds:datastoreItem xmlns:ds="http://schemas.openxmlformats.org/officeDocument/2006/customXml" ds:itemID="{1B7E2D32-4FDD-4266-880C-17595B801432}">
-  <ds:schemaRefs>
-    <ds:schemaRef ds:uri="http://schemas.microsoft.com/sharepoint/v3/contenttype/forms"/>
-  </ds:schemaRefs>
-</ds:datastoreItem>
-</file>
-
 <file path=customXml/itemProps3.xml><?xml version="1.0" encoding="utf-8"?>
 <ds:datastoreItem xmlns:ds="http://schemas.openxmlformats.org/officeDocument/2006/customXml" ds:itemID="{E3D9F223-918A-45AF-9B53-56AB9E5E2182}">
   <ds:schemaRefs>
